--- a/ProjectReportKulkarni_Prakash.pptx
+++ b/ProjectReportKulkarni_Prakash.pptx
@@ -4426,8 +4426,8 @@
         </p:nvSpPr>
         <p:spPr>
           <a:xfrm>
-            <a:off x="1041010" y="328862"/>
-            <a:ext cx="10830148" cy="6395495"/>
+            <a:off x="1041010" y="124692"/>
+            <a:ext cx="10830148" cy="6599666"/>
           </a:xfrm>
         </p:spPr>
         <p:txBody>
@@ -4667,6 +4667,37 @@
               </a:rPr>
               <a:t>Mitali: word index, tag index, model generation</a:t>
             </a:r>
+          </a:p>
+          <a:p>
+            <a:pPr marL="0" indent="0">
+              <a:buNone/>
+            </a:pPr>
+            <a:r>
+              <a:rPr lang="en-US" dirty="0" err="1">
+                <a:latin typeface="Times New Roman" panose="02020603050405020304" pitchFamily="18" charset="0"/>
+                <a:cs typeface="Times New Roman" panose="02020603050405020304" pitchFamily="18" charset="0"/>
+              </a:rPr>
+              <a:t>GitHubLink</a:t>
+            </a:r>
+            <a:r>
+              <a:rPr lang="en-US" dirty="0">
+                <a:latin typeface="Times New Roman" panose="02020603050405020304" pitchFamily="18" charset="0"/>
+                <a:cs typeface="Times New Roman" panose="02020603050405020304" pitchFamily="18" charset="0"/>
+              </a:rPr>
+              <a:t>: </a:t>
+            </a:r>
+            <a:r>
+              <a:rPr lang="en-US" dirty="0">
+                <a:latin typeface="Times New Roman" panose="02020603050405020304" pitchFamily="18" charset="0"/>
+                <a:cs typeface="Times New Roman" panose="02020603050405020304" pitchFamily="18" charset="0"/>
+                <a:hlinkClick r:id="rId3"/>
+              </a:rPr>
+              <a:t>https://github.com/MitaliK/DDI</a:t>
+            </a:r>
+            <a:endParaRPr lang="en-US" dirty="0">
+              <a:latin typeface="Times New Roman" panose="02020603050405020304" pitchFamily="18" charset="0"/>
+              <a:cs typeface="Times New Roman" panose="02020603050405020304" pitchFamily="18" charset="0"/>
+            </a:endParaRPr>
           </a:p>
         </p:txBody>
       </p:sp>
